--- a/Slides/Lecture 5-1.pptx
+++ b/Slides/Lecture 5-1.pptx
@@ -233,7 +233,7 @@
             <a:fld id="{A6781D3C-003D-4837-A496-9A32CDA8003A}" type="datetimeFigureOut">
               <a:rPr lang="en-US" smtClean="0"/>
               <a:pPr/>
-              <a:t>1/29/19</a:t>
+              <a:t>1/28/2019</a:t>
             </a:fld>
             <a:endParaRPr lang="en-US"/>
           </a:p>
@@ -1454,16 +1454,6 @@
         <p:txBody>
           <a:bodyPr lIns="89572" tIns="44785" rIns="89572" bIns="44785"/>
           <a:lstStyle/>
-          <a:p>
-            <a:r>
-              <a:rPr lang="en-US" altLang="en-US" dirty="0"/>
-              <a:t>Markov property: The probability of the current word only depends on the previous word(s) (one word in unigram model, two words in bigram model, there words </a:t>
-            </a:r>
-            <a:r>
-              <a:rPr lang="en-US" altLang="en-US"/>
-              <a:t>in trigram model, etc.)</a:t>
-            </a:r>
-          </a:p>
           <a:p>
             <a:endParaRPr lang="en-US" altLang="en-US" dirty="0"/>
           </a:p>
@@ -6102,6 +6092,13 @@
   <p:clrMapOvr>
     <a:masterClrMapping/>
   </p:clrMapOvr>
+  <p:timing>
+    <p:tnLst>
+      <p:par>
+        <p:cTn id="1" dur="indefinite" restart="never" nodeType="tmRoot"/>
+      </p:par>
+    </p:tnLst>
+  </p:timing>
 </p:sld>
 </file>
 
@@ -7082,6 +7079,13 @@
   <p:clrMapOvr>
     <a:masterClrMapping/>
   </p:clrMapOvr>
+  <p:timing>
+    <p:tnLst>
+      <p:par>
+        <p:cTn id="1" dur="indefinite" restart="never" nodeType="tmRoot"/>
+      </p:par>
+    </p:tnLst>
+  </p:timing>
 </p:sld>
 </file>
 
@@ -7242,6 +7246,13 @@
   <p:clrMapOvr>
     <a:masterClrMapping/>
   </p:clrMapOvr>
+  <p:timing>
+    <p:tnLst>
+      <p:par>
+        <p:cTn id="1" dur="indefinite" restart="never" nodeType="tmRoot"/>
+      </p:par>
+    </p:tnLst>
+  </p:timing>
 </p:sld>
 </file>
 
@@ -7394,6 +7405,13 @@
   <p:clrMapOvr>
     <a:masterClrMapping/>
   </p:clrMapOvr>
+  <p:timing>
+    <p:tnLst>
+      <p:par>
+        <p:cTn id="1" dur="indefinite" restart="never" nodeType="tmRoot"/>
+      </p:par>
+    </p:tnLst>
+  </p:timing>
 </p:sld>
 </file>
 
@@ -7649,6 +7667,13 @@
   <p:clrMapOvr>
     <a:masterClrMapping/>
   </p:clrMapOvr>
+  <p:timing>
+    <p:tnLst>
+      <p:par>
+        <p:cTn id="1" dur="indefinite" restart="never" nodeType="tmRoot"/>
+      </p:par>
+    </p:tnLst>
+  </p:timing>
 </p:sld>
 </file>
 
@@ -7775,6 +7800,13 @@
   <p:clrMapOvr>
     <a:masterClrMapping/>
   </p:clrMapOvr>
+  <p:timing>
+    <p:tnLst>
+      <p:par>
+        <p:cTn id="1" dur="indefinite" restart="never" nodeType="tmRoot"/>
+      </p:par>
+    </p:tnLst>
+  </p:timing>
 </p:sld>
 </file>
 
@@ -7971,6 +8003,14 @@
   <p:clrMapOvr>
     <a:masterClrMapping/>
   </p:clrMapOvr>
+  <mc:AlternateContent xmlns:mc="http://schemas.openxmlformats.org/markup-compatibility/2006" xmlns:p14="http://schemas.microsoft.com/office/powerpoint/2010/main">
+    <mc:Choice Requires="p14">
+      <p:transition spd="slow" p14:dur="2000"/>
+    </mc:Choice>
+    <mc:Fallback xmlns="">
+      <p:transition spd="slow"/>
+    </mc:Fallback>
+  </mc:AlternateContent>
   <p:timing>
     <p:tnLst>
       <p:par>
@@ -9029,6 +9069,14 @@
   <p:clrMapOvr>
     <a:masterClrMapping/>
   </p:clrMapOvr>
+  <mc:AlternateContent xmlns:mc="http://schemas.openxmlformats.org/markup-compatibility/2006" xmlns:p14="http://schemas.microsoft.com/office/powerpoint/2010/main">
+    <mc:Choice Requires="p14">
+      <p:transition spd="slow" p14:dur="2000"/>
+    </mc:Choice>
+    <mc:Fallback xmlns="">
+      <p:transition spd="slow"/>
+    </mc:Fallback>
+  </mc:AlternateContent>
   <p:timing>
     <p:tnLst>
       <p:par>
@@ -9871,6 +9919,14 @@
   <p:clrMapOvr>
     <a:masterClrMapping/>
   </p:clrMapOvr>
+  <mc:AlternateContent xmlns:mc="http://schemas.openxmlformats.org/markup-compatibility/2006" xmlns:p14="http://schemas.microsoft.com/office/powerpoint/2010/main">
+    <mc:Choice Requires="p14">
+      <p:transition spd="slow" p14:dur="2000"/>
+    </mc:Choice>
+    <mc:Fallback xmlns="">
+      <p:transition spd="slow"/>
+    </mc:Fallback>
+  </mc:AlternateContent>
   <p:timing>
     <p:tnLst>
       <p:par>
@@ -10258,77 +10314,77 @@
           </a:lstStyle>
           <a:p>
             <a:r>
-              <a:rPr lang="en-US" dirty="0"/>
+              <a:rPr lang="en-US" dirty="0" smtClean="0"/>
               <a:t>p(1) = 1/6</a:t>
             </a:r>
           </a:p>
           <a:p>
             <a:r>
-              <a:rPr lang="en-US" dirty="0"/>
+              <a:rPr lang="en-US" dirty="0" smtClean="0"/>
               <a:t>p(2) = 1/6</a:t>
             </a:r>
           </a:p>
           <a:p>
             <a:r>
-              <a:rPr lang="en-US" dirty="0"/>
+              <a:rPr lang="en-US" dirty="0" smtClean="0"/>
               <a:t>etc.</a:t>
             </a:r>
           </a:p>
           <a:p>
             <a:r>
-              <a:rPr lang="en-US" b="1" dirty="0"/>
+              <a:rPr lang="en-US" b="1" dirty="0" smtClean="0"/>
               <a:t>P</a:t>
             </a:r>
             <a:r>
-              <a:rPr lang="en-US" dirty="0"/>
+              <a:rPr lang="en-US" dirty="0" smtClean="0"/>
               <a:t>(</a:t>
             </a:r>
             <a:r>
-              <a:rPr lang="en-US" b="1" dirty="0"/>
+              <a:rPr lang="en-US" b="1" dirty="0" smtClean="0"/>
               <a:t>D</a:t>
             </a:r>
             <a:r>
-              <a:rPr lang="en-US" dirty="0"/>
+              <a:rPr lang="en-US" dirty="0" smtClean="0"/>
               <a:t>)=?</a:t>
             </a:r>
           </a:p>
           <a:p>
             <a:r>
-              <a:rPr lang="en-US" b="1" dirty="0"/>
+              <a:rPr lang="en-US" b="1" dirty="0" smtClean="0"/>
               <a:t>P</a:t>
             </a:r>
             <a:r>
-              <a:rPr lang="en-US" dirty="0"/>
+              <a:rPr lang="en-US" dirty="0" smtClean="0"/>
               <a:t>(</a:t>
             </a:r>
             <a:r>
-              <a:rPr lang="en-US" b="1" dirty="0"/>
+              <a:rPr lang="en-US" b="1" dirty="0" smtClean="0"/>
               <a:t>D</a:t>
             </a:r>
             <a:r>
-              <a:rPr lang="en-US" dirty="0"/>
+              <a:rPr lang="en-US" dirty="0" smtClean="0"/>
               <a:t>) = {1/6, 1/6, 1/6, 1/6, 1/6, 1/6}</a:t>
             </a:r>
           </a:p>
           <a:p>
             <a:r>
-              <a:rPr lang="en-US" b="1" dirty="0"/>
+              <a:rPr lang="en-US" b="1" dirty="0" smtClean="0"/>
               <a:t>P</a:t>
             </a:r>
             <a:r>
-              <a:rPr lang="en-US" dirty="0"/>
+              <a:rPr lang="en-US" dirty="0" smtClean="0"/>
               <a:t>(</a:t>
             </a:r>
             <a:r>
-              <a:rPr lang="en-US" b="1" dirty="0" err="1"/>
+              <a:rPr lang="en-US" b="1" dirty="0" err="1" smtClean="0"/>
               <a:t>D</a:t>
             </a:r>
             <a:r>
-              <a:rPr lang="en-US" dirty="0" err="1"/>
+              <a:rPr lang="en-US" dirty="0" err="1" smtClean="0"/>
               <a:t>|odd</a:t>
             </a:r>
             <a:r>
-              <a:rPr lang="en-US" dirty="0"/>
+              <a:rPr lang="en-US" dirty="0" smtClean="0"/>
               <a:t>) = {1/3, 0, 1/3, 0, 1/3, 0}</a:t>
             </a:r>
           </a:p>
@@ -10347,6 +10403,13 @@
   <p:clrMapOvr>
     <a:masterClrMapping/>
   </p:clrMapOvr>
+  <p:timing>
+    <p:tnLst>
+      <p:par>
+        <p:cTn id="1" dur="indefinite" restart="never" nodeType="tmRoot"/>
+      </p:par>
+    </p:tnLst>
+  </p:timing>
 </p:sld>
 </file>
 
@@ -10390,9 +10453,10 @@
           <a:lstStyle/>
           <a:p>
             <a:r>
-              <a:rPr lang="en-US" dirty="0"/>
+              <a:rPr lang="en-US" dirty="0" smtClean="0"/>
               <a:t>[slide from Brendan O’Connor]</a:t>
             </a:r>
+            <a:endParaRPr lang="en-US" dirty="0"/>
           </a:p>
         </p:txBody>
       </p:sp>
@@ -10436,9 +10500,10 @@
           <a:lstStyle/>
           <a:p>
             <a:r>
-              <a:rPr lang="en-US" dirty="0"/>
+              <a:rPr lang="en-US" dirty="0" smtClean="0"/>
               <a:t>Probability Review</a:t>
             </a:r>
+            <a:endParaRPr lang="en-US" dirty="0"/>
           </a:p>
         </p:txBody>
       </p:sp>
@@ -10452,6 +10517,14 @@
   <p:clrMapOvr>
     <a:masterClrMapping/>
   </p:clrMapOvr>
+  <mc:AlternateContent xmlns:mc="http://schemas.openxmlformats.org/markup-compatibility/2006" xmlns:p14="http://schemas.microsoft.com/office/powerpoint/2010/main">
+    <mc:Choice Requires="p14">
+      <p:transition spd="slow" p14:dur="2000"/>
+    </mc:Choice>
+    <mc:Fallback xmlns="">
+      <p:transition spd="slow"/>
+    </mc:Fallback>
+  </mc:AlternateContent>
 </p:sld>
 </file>
 
@@ -10495,9 +10568,10 @@
           <a:lstStyle/>
           <a:p>
             <a:r>
-              <a:rPr lang="en-US" dirty="0"/>
+              <a:rPr lang="en-US" dirty="0" smtClean="0"/>
               <a:t>[slide from Brendan O’Connor]</a:t>
             </a:r>
+            <a:endParaRPr lang="en-US" dirty="0"/>
           </a:p>
         </p:txBody>
       </p:sp>
@@ -10541,9 +10615,10 @@
           <a:lstStyle/>
           <a:p>
             <a:r>
-              <a:rPr lang="en-US" dirty="0"/>
+              <a:rPr lang="en-US" dirty="0" smtClean="0"/>
               <a:t>Probability Review 2/2</a:t>
             </a:r>
+            <a:endParaRPr lang="en-US" dirty="0"/>
           </a:p>
         </p:txBody>
       </p:sp>
@@ -10557,6 +10632,21 @@
   <p:clrMapOvr>
     <a:masterClrMapping/>
   </p:clrMapOvr>
+  <mc:AlternateContent xmlns:mc="http://schemas.openxmlformats.org/markup-compatibility/2006" xmlns:p14="http://schemas.microsoft.com/office/powerpoint/2010/main">
+    <mc:Choice Requires="p14">
+      <p:transition spd="slow" p14:dur="2000"/>
+    </mc:Choice>
+    <mc:Fallback xmlns="">
+      <p:transition spd="slow"/>
+    </mc:Fallback>
+  </mc:AlternateContent>
+  <p:timing>
+    <p:tnLst>
+      <p:par>
+        <p:cTn id="1" dur="indefinite" restart="never" nodeType="tmRoot"/>
+      </p:par>
+    </p:tnLst>
+  </p:timing>
 </p:sld>
 </file>
 
@@ -10747,6 +10837,13 @@
   <p:clrMapOvr>
     <a:masterClrMapping/>
   </p:clrMapOvr>
+  <p:timing>
+    <p:tnLst>
+      <p:par>
+        <p:cTn id="1" dur="indefinite" restart="never" nodeType="tmRoot"/>
+      </p:par>
+    </p:tnLst>
+  </p:timing>
 </p:sld>
 </file>
 
@@ -10911,6 +11008,13 @@
   <p:clrMapOvr>
     <a:masterClrMapping/>
   </p:clrMapOvr>
+  <p:timing>
+    <p:tnLst>
+      <p:par>
+        <p:cTn id="1" dur="indefinite" restart="never" nodeType="tmRoot"/>
+      </p:par>
+    </p:tnLst>
+  </p:timing>
 </p:sld>
 </file>
 
@@ -11031,6 +11135,13 @@
   <p:clrMapOvr>
     <a:masterClrMapping/>
   </p:clrMapOvr>
+  <p:timing>
+    <p:tnLst>
+      <p:par>
+        <p:cTn id="1" dur="indefinite" restart="never" nodeType="tmRoot"/>
+      </p:par>
+    </p:tnLst>
+  </p:timing>
 </p:sld>
 </file>
 
@@ -11289,6 +11400,13 @@
   <p:clrMapOvr>
     <a:masterClrMapping/>
   </p:clrMapOvr>
+  <p:timing>
+    <p:tnLst>
+      <p:par>
+        <p:cTn id="1" dur="indefinite" restart="never" nodeType="tmRoot"/>
+      </p:par>
+    </p:tnLst>
+  </p:timing>
 </p:sld>
 </file>
 
@@ -11472,6 +11590,13 @@
   <p:clrMapOvr>
     <a:masterClrMapping/>
   </p:clrMapOvr>
+  <p:timing>
+    <p:tnLst>
+      <p:par>
+        <p:cTn id="1" dur="indefinite" restart="never" nodeType="tmRoot"/>
+      </p:par>
+    </p:tnLst>
+  </p:timing>
 </p:sld>
 </file>
 
@@ -11664,6 +11789,13 @@
   <p:clrMapOvr>
     <a:masterClrMapping/>
   </p:clrMapOvr>
+  <p:timing>
+    <p:tnLst>
+      <p:par>
+        <p:cTn id="1" dur="indefinite" restart="never" nodeType="tmRoot"/>
+      </p:par>
+    </p:tnLst>
+  </p:timing>
 </p:sld>
 </file>
 
